--- a/First Presentation.pptx
+++ b/First Presentation.pptx
@@ -5,7 +5,7 @@
     <p:sldMasterId id="2147483684" r:id="rId1"/>
   </p:sldMasterIdLst>
   <p:notesMasterIdLst>
-    <p:notesMasterId r:id="rId21"/>
+    <p:notesMasterId r:id="rId22"/>
   </p:notesMasterIdLst>
   <p:sldIdLst>
     <p:sldId id="256" r:id="rId2"/>
@@ -24,9 +24,10 @@
     <p:sldId id="265" r:id="rId15"/>
     <p:sldId id="266" r:id="rId16"/>
     <p:sldId id="267" r:id="rId17"/>
-    <p:sldId id="268" r:id="rId18"/>
-    <p:sldId id="269" r:id="rId19"/>
-    <p:sldId id="275" r:id="rId20"/>
+    <p:sldId id="276" r:id="rId18"/>
+    <p:sldId id="268" r:id="rId19"/>
+    <p:sldId id="269" r:id="rId20"/>
+    <p:sldId id="275" r:id="rId21"/>
   </p:sldIdLst>
   <p:sldSz cx="12192000" cy="6858000"/>
   <p:notesSz cx="6858000" cy="9144000"/>
@@ -628,6 +629,102 @@
     <p:extLst>
       <p:ext uri="{BB962C8B-B14F-4D97-AF65-F5344CB8AC3E}">
         <p14:creationId xmlns:p14="http://schemas.microsoft.com/office/powerpoint/2010/main" val="4172294795"/>
+      </p:ext>
+    </p:extLst>
+  </p:cSld>
+  <p:clrMapOvr>
+    <a:masterClrMapping/>
+  </p:clrMapOvr>
+</p:notes>
+</file>
+
+<file path=ppt/notesSlides/notesSlide2.xml><?xml version="1.0" encoding="utf-8"?>
+<p:notes xmlns:a="http://schemas.openxmlformats.org/drawingml/2006/main" xmlns:r="http://schemas.openxmlformats.org/officeDocument/2006/relationships" xmlns:p="http://schemas.openxmlformats.org/presentationml/2006/main">
+  <p:cSld>
+    <p:spTree>
+      <p:nvGrpSpPr>
+        <p:cNvPr id="1" name=""/>
+        <p:cNvGrpSpPr/>
+        <p:nvPr/>
+      </p:nvGrpSpPr>
+      <p:grpSpPr>
+        <a:xfrm>
+          <a:off x="0" y="0"/>
+          <a:ext cx="0" cy="0"/>
+          <a:chOff x="0" y="0"/>
+          <a:chExt cx="0" cy="0"/>
+        </a:xfrm>
+      </p:grpSpPr>
+      <p:sp>
+        <p:nvSpPr>
+          <p:cNvPr id="2" name="Slide Image Placeholder 1"/>
+          <p:cNvSpPr>
+            <a:spLocks noGrp="1" noRot="1" noChangeAspect="1"/>
+          </p:cNvSpPr>
+          <p:nvPr>
+            <p:ph type="sldImg"/>
+          </p:nvPr>
+        </p:nvSpPr>
+        <p:spPr/>
+      </p:sp>
+      <p:sp>
+        <p:nvSpPr>
+          <p:cNvPr id="3" name="Notes Placeholder 2"/>
+          <p:cNvSpPr>
+            <a:spLocks noGrp="1"/>
+          </p:cNvSpPr>
+          <p:nvPr>
+            <p:ph type="body" idx="1"/>
+          </p:nvPr>
+        </p:nvSpPr>
+        <p:spPr/>
+        <p:txBody>
+          <a:bodyPr/>
+          <a:lstStyle/>
+          <a:p>
+            <a:r>
+              <a:rPr lang="en-US" dirty="0" err="1" smtClean="0"/>
+              <a:t>Sobeih</a:t>
+            </a:r>
+            <a:r>
+              <a:rPr lang="en-US" dirty="0" smtClean="0"/>
+              <a:t> will give us why someone</a:t>
+            </a:r>
+            <a:r>
+              <a:rPr lang="en-US" baseline="0" dirty="0" smtClean="0"/>
+              <a:t> might be confused when choosing whether to stem or lemmatize when preprocessing for a text summarization task</a:t>
+            </a:r>
+            <a:endParaRPr lang="en-US" dirty="0"/>
+          </a:p>
+        </p:txBody>
+      </p:sp>
+      <p:sp>
+        <p:nvSpPr>
+          <p:cNvPr id="4" name="Slide Number Placeholder 3"/>
+          <p:cNvSpPr>
+            <a:spLocks noGrp="1"/>
+          </p:cNvSpPr>
+          <p:nvPr>
+            <p:ph type="sldNum" sz="quarter" idx="10"/>
+          </p:nvPr>
+        </p:nvSpPr>
+        <p:spPr/>
+        <p:txBody>
+          <a:bodyPr/>
+          <a:lstStyle/>
+          <a:p>
+            <a:fld id="{0E49E2AD-6A4F-4653-A095-23B70ECF0457}" type="slidenum">
+              <a:rPr lang="en-US" smtClean="0"/>
+              <a:t>9</a:t>
+            </a:fld>
+            <a:endParaRPr lang="en-US"/>
+          </a:p>
+        </p:txBody>
+      </p:sp>
+    </p:spTree>
+    <p:extLst>
+      <p:ext uri="{BB962C8B-B14F-4D97-AF65-F5344CB8AC3E}">
+        <p14:creationId xmlns:p14="http://schemas.microsoft.com/office/powerpoint/2010/main" val="2506890460"/>
       </p:ext>
     </p:extLst>
   </p:cSld>
@@ -4242,11 +4339,7 @@
             </a:pPr>
             <a:r>
               <a:rPr lang="en-US" dirty="0" smtClean="0"/>
-              <a:t>-Size is sufficient for our task (according to our modest experience</a:t>
-            </a:r>
-            <a:r>
-              <a:rPr lang="en-US" dirty="0" smtClean="0"/>
-              <a:t>).</a:t>
+              <a:t>-Size is sufficient for our task (according to our modest experience).</a:t>
             </a:r>
           </a:p>
           <a:p>
@@ -4469,14 +4562,29 @@
           </a:p>
           <a:p>
             <a:r>
+              <a:rPr lang="en-US" dirty="0"/>
+              <a:t>Lack of gold standard corpus</a:t>
+            </a:r>
+            <a:endParaRPr lang="en-US" dirty="0" smtClean="0"/>
+          </a:p>
+          <a:p>
+            <a:r>
               <a:rPr lang="en-US" dirty="0" smtClean="0"/>
               <a:t>Stemming and Lemmatization</a:t>
             </a:r>
           </a:p>
           <a:p>
             <a:r>
+              <a:rPr lang="en-US" dirty="0" smtClean="0"/>
+              <a:t>Diacritics</a:t>
+            </a:r>
+            <a:r>
               <a:rPr lang="en-US" dirty="0"/>
-              <a:t>Diacritics, Punctuations</a:t>
+              <a:t>, </a:t>
+            </a:r>
+            <a:r>
+              <a:rPr lang="en-US" dirty="0" smtClean="0"/>
+              <a:t>Punctuations</a:t>
             </a:r>
           </a:p>
           <a:p>
@@ -4910,6 +5018,7 @@
               <a:rPr lang="en-US" dirty="0"/>
               <a:t>Plan to solve: By removing stop words, we can improve the accuracy of the topic modeling algorithm, extract more meaningful topics and reduce the size of the vocabulary to make it easier to analyze and process the text. </a:t>
             </a:r>
+            <a:endParaRPr lang="en-US" dirty="0" smtClean="0"/>
           </a:p>
         </p:txBody>
       </p:sp>
@@ -4966,6 +5075,180 @@
           <a:lstStyle/>
           <a:p>
             <a:r>
+              <a:rPr lang="en-US" dirty="0" smtClean="0"/>
+              <a:t>Lack of gold standard corpus</a:t>
+            </a:r>
+            <a:endParaRPr lang="en-US" dirty="0"/>
+          </a:p>
+        </p:txBody>
+      </p:sp>
+      <p:sp>
+        <p:nvSpPr>
+          <p:cNvPr id="3" name="Content Placeholder 2"/>
+          <p:cNvSpPr>
+            <a:spLocks noGrp="1"/>
+          </p:cNvSpPr>
+          <p:nvPr>
+            <p:ph idx="1"/>
+          </p:nvPr>
+        </p:nvSpPr>
+        <p:spPr/>
+        <p:txBody>
+          <a:bodyPr/>
+          <a:lstStyle/>
+          <a:p>
+            <a:r>
+              <a:rPr lang="en-US" dirty="0" smtClean="0"/>
+              <a:t>According to *, The </a:t>
+            </a:r>
+            <a:r>
+              <a:rPr lang="en-US" dirty="0"/>
+              <a:t>main issue with text summarization datasets is the lack of high-quality reference summaries, </a:t>
+            </a:r>
+            <a:r>
+              <a:rPr lang="en-US" dirty="0" smtClean="0"/>
+              <a:t>which makes </a:t>
+            </a:r>
+            <a:r>
+              <a:rPr lang="en-US" dirty="0"/>
+              <a:t>it challenging to obtain an excellent dataset. </a:t>
+            </a:r>
+            <a:endParaRPr lang="en-US" dirty="0" smtClean="0"/>
+          </a:p>
+          <a:p>
+            <a:r>
+              <a:rPr lang="en-US" dirty="0" smtClean="0"/>
+              <a:t>Furthermore</a:t>
+            </a:r>
+            <a:r>
+              <a:rPr lang="en-US" dirty="0"/>
+              <a:t>, there is a scarcity of </a:t>
+            </a:r>
+            <a:r>
+              <a:rPr lang="en-US" dirty="0" smtClean="0"/>
+              <a:t>multi-sentence datasets </a:t>
+            </a:r>
+            <a:r>
+              <a:rPr lang="en-US" dirty="0"/>
+              <a:t>for abstractive summarization in many languages, including Arabic, with only single sentence</a:t>
+            </a:r>
+            <a:r>
+              <a:rPr lang="en-US" dirty="0"/>
+              <a:t/>
+            </a:r>
+            <a:br>
+              <a:rPr lang="en-US" dirty="0"/>
+            </a:br>
+            <a:r>
+              <a:rPr lang="en-US" dirty="0"/>
+              <a:t>datasets being available</a:t>
+            </a:r>
+            <a:endParaRPr lang="en-US" dirty="0"/>
+          </a:p>
+        </p:txBody>
+      </p:sp>
+      <p:sp>
+        <p:nvSpPr>
+          <p:cNvPr id="12" name="TextBox 11"/>
+          <p:cNvSpPr txBox="1"/>
+          <p:nvPr/>
+        </p:nvSpPr>
+        <p:spPr>
+          <a:xfrm>
+            <a:off x="1967346" y="6016910"/>
+            <a:ext cx="10353963" cy="415498"/>
+          </a:xfrm>
+          <a:prstGeom prst="rect">
+            <a:avLst/>
+          </a:prstGeom>
+          <a:noFill/>
+        </p:spPr>
+        <p:txBody>
+          <a:bodyPr wrap="square" rtlCol="0">
+            <a:spAutoFit/>
+          </a:bodyPr>
+          <a:lstStyle/>
+          <a:p>
+            <a:r>
+              <a:rPr lang="en-US" sz="1050" dirty="0" smtClean="0"/>
+              <a:t>* </a:t>
+            </a:r>
+            <a:r>
+              <a:rPr lang="en-US" sz="1050" dirty="0" err="1" smtClean="0"/>
+              <a:t>Elsaid</a:t>
+            </a:r>
+            <a:r>
+              <a:rPr lang="en-US" sz="1050" dirty="0"/>
+              <a:t>, A., Mohammed, A., Ibrahim, L. F., &amp; </a:t>
+            </a:r>
+            <a:r>
+              <a:rPr lang="en-US" sz="1050" dirty="0" err="1"/>
+              <a:t>Sakre</a:t>
+            </a:r>
+            <a:r>
+              <a:rPr lang="en-US" sz="1050" dirty="0"/>
+              <a:t>, M. M. (2022). A comprehensive review of </a:t>
+            </a:r>
+            <a:r>
+              <a:rPr lang="en-US" sz="1050" dirty="0" err="1"/>
+              <a:t>arabic</a:t>
+            </a:r>
+            <a:r>
+              <a:rPr lang="en-US" sz="1050" dirty="0"/>
+              <a:t> text summarization. IEEE Access, 10, 38012-38030.</a:t>
+            </a:r>
+          </a:p>
+          <a:p>
+            <a:endParaRPr lang="en-US" sz="1050" dirty="0"/>
+          </a:p>
+        </p:txBody>
+      </p:sp>
+    </p:spTree>
+    <p:extLst>
+      <p:ext uri="{BB962C8B-B14F-4D97-AF65-F5344CB8AC3E}">
+        <p14:creationId xmlns:p14="http://schemas.microsoft.com/office/powerpoint/2010/main" val="978035196"/>
+      </p:ext>
+    </p:extLst>
+  </p:cSld>
+  <p:clrMapOvr>
+    <a:masterClrMapping/>
+  </p:clrMapOvr>
+</p:sld>
+</file>
+
+<file path=ppt/slides/slide18.xml><?xml version="1.0" encoding="utf-8"?>
+<p:sld xmlns:a="http://schemas.openxmlformats.org/drawingml/2006/main" xmlns:r="http://schemas.openxmlformats.org/officeDocument/2006/relationships" xmlns:p="http://schemas.openxmlformats.org/presentationml/2006/main">
+  <p:cSld>
+    <p:spTree>
+      <p:nvGrpSpPr>
+        <p:cNvPr id="1" name=""/>
+        <p:cNvGrpSpPr/>
+        <p:nvPr/>
+      </p:nvGrpSpPr>
+      <p:grpSpPr>
+        <a:xfrm>
+          <a:off x="0" y="0"/>
+          <a:ext cx="0" cy="0"/>
+          <a:chOff x="0" y="0"/>
+          <a:chExt cx="0" cy="0"/>
+        </a:xfrm>
+      </p:grpSpPr>
+      <p:sp>
+        <p:nvSpPr>
+          <p:cNvPr id="2" name="Title 1"/>
+          <p:cNvSpPr>
+            <a:spLocks noGrp="1"/>
+          </p:cNvSpPr>
+          <p:nvPr>
+            <p:ph type="title"/>
+          </p:nvPr>
+        </p:nvSpPr>
+        <p:spPr/>
+        <p:txBody>
+          <a:bodyPr/>
+          <a:lstStyle/>
+          <a:p>
+            <a:r>
               <a:rPr lang="en-US" dirty="0"/>
               <a:t>Do we need stemming or lemmatization or neither? </a:t>
             </a:r>
@@ -4984,7 +5267,9 @@
         </p:nvSpPr>
         <p:spPr/>
         <p:txBody>
-          <a:bodyPr/>
+          <a:bodyPr>
+            <a:normAutofit fontScale="92500" lnSpcReduction="20000"/>
+          </a:bodyPr>
           <a:lstStyle/>
           <a:p>
             <a:r>
@@ -4999,108 +5284,151 @@
           <a:p>
             <a:r>
               <a:rPr lang="en-US" dirty="0"/>
-              <a:t>S</a:t>
-            </a:r>
-            <a:r>
-              <a:rPr lang="en-US" dirty="0" smtClean="0"/>
-              <a:t>temming </a:t>
+              <a:t>At the same time stemming is appropriate identifying common roots. Arabic has a rich system of word roots, with many words sharing the same root. For example, the root </a:t>
+            </a:r>
+            <a:r>
+              <a:rPr lang="ar-EG" dirty="0"/>
+              <a:t> كتب</a:t>
             </a:r>
             <a:r>
               <a:rPr lang="en-US" dirty="0"/>
-              <a:t>is very strict in the sense that returns words to their roots </a:t>
-            </a:r>
-            <a:r>
-              <a:rPr lang="en-US" dirty="0" smtClean="0"/>
-              <a:t>(ex</a:t>
+              <a:t>is the basis for words like </a:t>
+            </a:r>
+            <a:r>
+              <a:rPr lang="ar-EG" dirty="0"/>
+              <a:t> كاتب</a:t>
             </a:r>
             <a:r>
               <a:rPr lang="en-US" dirty="0"/>
-              <a:t>: </a:t>
-            </a:r>
-            <a:r>
-              <a:rPr lang="en-US" dirty="0" smtClean="0"/>
-              <a:t>‘</a:t>
-            </a:r>
-            <a:r>
-              <a:rPr lang="ar-EG" dirty="0" smtClean="0"/>
-              <a:t>استثمر</a:t>
-            </a:r>
-            <a:r>
-              <a:rPr lang="en-US" dirty="0" smtClean="0"/>
-              <a:t>’ changed </a:t>
+              <a:t>meaning "writer", </a:t>
+            </a:r>
+            <a:r>
+              <a:rPr lang="ar-EG" dirty="0"/>
+              <a:t>كتابة </a:t>
+            </a:r>
+            <a:r>
+              <a:rPr lang="de-DE" dirty="0"/>
+              <a:t> </a:t>
             </a:r>
             <a:r>
               <a:rPr lang="en-US" dirty="0"/>
-              <a:t>to '</a:t>
-            </a:r>
-            <a:r>
-              <a:rPr lang="ar-EG" dirty="0" smtClean="0"/>
-              <a:t>ثمر</a:t>
-            </a:r>
-            <a:r>
-              <a:rPr lang="en-US" dirty="0" smtClean="0"/>
-              <a:t>’ which </a:t>
+              <a:t>meaning "writing",</a:t>
+            </a:r>
+            <a:r>
+              <a:rPr lang="ar-EG" dirty="0"/>
+              <a:t> كتاب </a:t>
             </a:r>
             <a:r>
               <a:rPr lang="en-US" dirty="0"/>
-              <a:t>somehow has different meaning). </a:t>
-            </a:r>
+              <a:t>meaning "book", and many others. </a:t>
+            </a:r>
+            <a:endParaRPr lang="en-US" dirty="0"/>
+          </a:p>
+          <a:p>
+            <a:r>
+              <a:rPr lang="en-US" dirty="0"/>
+              <a:t>Hence, Stemming algorithms can group together words that share a common root, making it easier to identify key themes in a text and create a summary that captures the essence of the original content. </a:t>
+            </a:r>
+            <a:endParaRPr lang="en-US" dirty="0"/>
+          </a:p>
+          <a:p>
+            <a:r>
+              <a:rPr lang="en-US" dirty="0"/>
+              <a:t>In * they claim that doing lemmatization preprocessing step will give the best accuracy. </a:t>
+            </a:r>
+            <a:endParaRPr lang="en-US" dirty="0"/>
+          </a:p>
+          <a:p>
             <a:endParaRPr lang="en-US" dirty="0" smtClean="0"/>
           </a:p>
-          <a:p>
-            <a:r>
-              <a:rPr lang="en-US" dirty="0" smtClean="0"/>
-              <a:t>At </a:t>
-            </a:r>
-            <a:r>
-              <a:rPr lang="en-US" dirty="0"/>
-              <a:t>the same time stemming is good in removing non-relevant letters </a:t>
-            </a:r>
-            <a:r>
-              <a:rPr lang="en-US" dirty="0" smtClean="0"/>
-              <a:t>(‘</a:t>
-            </a:r>
-            <a:r>
-              <a:rPr lang="ar-EG" dirty="0" smtClean="0"/>
-              <a:t>وفعلوا</a:t>
-            </a:r>
-            <a:r>
-              <a:rPr lang="en-US" dirty="0" smtClean="0"/>
-              <a:t>’) hanged </a:t>
-            </a:r>
-            <a:r>
-              <a:rPr lang="en-US" dirty="0"/>
-              <a:t>to '</a:t>
-            </a:r>
-            <a:r>
-              <a:rPr lang="ar-EG" dirty="0" smtClean="0"/>
-              <a:t>فعل</a:t>
-            </a:r>
-            <a:r>
-              <a:rPr lang="en-US" dirty="0" smtClean="0"/>
-              <a:t>’ which </a:t>
-            </a:r>
-            <a:r>
-              <a:rPr lang="en-US" dirty="0"/>
-              <a:t>removes the </a:t>
-            </a:r>
-            <a:r>
-              <a:rPr lang="ar-EG" dirty="0" smtClean="0"/>
-              <a:t> و</a:t>
-            </a:r>
-            <a:r>
-              <a:rPr lang="en-US" dirty="0" smtClean="0"/>
-              <a:t>at </a:t>
-            </a:r>
-            <a:r>
-              <a:rPr lang="en-US" dirty="0"/>
-              <a:t>the beginning. This is not achieved by lemmatization which changes it to </a:t>
-            </a:r>
-            <a:r>
-              <a:rPr lang="ar-EG" dirty="0" smtClean="0"/>
-              <a:t>وفعل</a:t>
-            </a:r>
-            <a:endParaRPr lang="en-US" dirty="0"/>
+        </p:txBody>
+      </p:sp>
+      <p:sp>
+        <p:nvSpPr>
+          <p:cNvPr id="4" name="TextBox 3"/>
+          <p:cNvSpPr txBox="1"/>
+          <p:nvPr/>
+        </p:nvSpPr>
+        <p:spPr>
+          <a:xfrm>
+            <a:off x="581891" y="6197600"/>
+            <a:ext cx="11231418" cy="400110"/>
+          </a:xfrm>
+          <a:prstGeom prst="rect">
+            <a:avLst/>
+          </a:prstGeom>
+          <a:noFill/>
+        </p:spPr>
+        <p:txBody>
+          <a:bodyPr wrap="square" rtlCol="0">
+            <a:spAutoFit/>
+          </a:bodyPr>
+          <a:lstStyle/>
+          <a:p>
+            <a:r>
+              <a:rPr lang="en-US" sz="1000" dirty="0" err="1"/>
+              <a:t>Reda</a:t>
+            </a:r>
+            <a:r>
+              <a:rPr lang="en-US" sz="1000" dirty="0"/>
+              <a:t> </a:t>
+            </a:r>
+            <a:r>
+              <a:rPr lang="en-US" sz="1000" dirty="0" err="1"/>
+              <a:t>Elbarougy</a:t>
+            </a:r>
+            <a:r>
+              <a:rPr lang="en-US" sz="1000" dirty="0"/>
+              <a:t>, Gamal </a:t>
+            </a:r>
+            <a:r>
+              <a:rPr lang="en-US" sz="1000" dirty="0" err="1"/>
+              <a:t>Behery</a:t>
+            </a:r>
+            <a:r>
+              <a:rPr lang="en-US" sz="1000" dirty="0"/>
+              <a:t>, and </a:t>
+            </a:r>
+            <a:r>
+              <a:rPr lang="en-US" sz="1000" dirty="0" err="1"/>
+              <a:t>Akram</a:t>
+            </a:r>
+            <a:r>
+              <a:rPr lang="en-US" sz="1000" dirty="0"/>
+              <a:t> El </a:t>
+            </a:r>
+            <a:r>
+              <a:rPr lang="en-US" sz="1000" dirty="0" err="1"/>
+              <a:t>Khatib</a:t>
+            </a:r>
+            <a:r>
+              <a:rPr lang="en-US" sz="1000" dirty="0"/>
+              <a:t>. A proposed natural </a:t>
+            </a:r>
+            <a:r>
+              <a:rPr lang="en-US" sz="1000" dirty="0" smtClean="0"/>
+              <a:t>language processing </a:t>
+            </a:r>
+            <a:r>
+              <a:rPr lang="en-US" sz="1000" dirty="0"/>
+              <a:t>preprocessing procedures for enhancing </a:t>
+            </a:r>
+            <a:r>
+              <a:rPr lang="en-US" sz="1000" dirty="0" err="1"/>
+              <a:t>arabic</a:t>
+            </a:r>
+            <a:r>
+              <a:rPr lang="en-US" sz="1000" dirty="0"/>
+              <a:t> text summarization. </a:t>
+            </a:r>
+            <a:r>
+              <a:rPr lang="en-US" sz="1000" dirty="0" smtClean="0"/>
+              <a:t>Recent Advances </a:t>
+            </a:r>
+            <a:r>
+              <a:rPr lang="en-US" sz="1000" dirty="0"/>
+              <a:t>in NLP: The Case of Arabic Language, pages 39–57, 2020.</a:t>
+            </a:r>
           </a:p>
         </p:txBody>
       </p:sp>
@@ -5124,7 +5452,7 @@
 </p:sld>
 </file>
 
-<file path=ppt/slides/slide18.xml><?xml version="1.0" encoding="utf-8"?>
+<file path=ppt/slides/slide19.xml><?xml version="1.0" encoding="utf-8"?>
 <p:sld xmlns:a="http://schemas.openxmlformats.org/drawingml/2006/main" xmlns:r="http://schemas.openxmlformats.org/officeDocument/2006/relationships" xmlns:p="http://schemas.openxmlformats.org/presentationml/2006/main">
   <p:cSld>
     <p:spTree>
@@ -5233,7 +5561,117 @@
 </p:sld>
 </file>
 
-<file path=ppt/slides/slide19.xml><?xml version="1.0" encoding="utf-8"?>
+<file path=ppt/slides/slide2.xml><?xml version="1.0" encoding="utf-8"?>
+<p:sld xmlns:a="http://schemas.openxmlformats.org/drawingml/2006/main" xmlns:r="http://schemas.openxmlformats.org/officeDocument/2006/relationships" xmlns:p="http://schemas.openxmlformats.org/presentationml/2006/main">
+  <p:cSld>
+    <p:spTree>
+      <p:nvGrpSpPr>
+        <p:cNvPr id="1" name=""/>
+        <p:cNvGrpSpPr/>
+        <p:nvPr/>
+      </p:nvGrpSpPr>
+      <p:grpSpPr>
+        <a:xfrm>
+          <a:off x="0" y="0"/>
+          <a:ext cx="0" cy="0"/>
+          <a:chOff x="0" y="0"/>
+          <a:chExt cx="0" cy="0"/>
+        </a:xfrm>
+      </p:grpSpPr>
+      <p:sp>
+        <p:nvSpPr>
+          <p:cNvPr id="2" name="Title 1"/>
+          <p:cNvSpPr>
+            <a:spLocks noGrp="1"/>
+          </p:cNvSpPr>
+          <p:nvPr>
+            <p:ph type="title"/>
+          </p:nvPr>
+        </p:nvSpPr>
+        <p:spPr>
+          <a:xfrm>
+            <a:off x="2231136" y="628074"/>
+            <a:ext cx="7729728" cy="831272"/>
+          </a:xfrm>
+        </p:spPr>
+        <p:txBody>
+          <a:bodyPr>
+            <a:normAutofit/>
+          </a:bodyPr>
+          <a:lstStyle/>
+          <a:p>
+            <a:r>
+              <a:rPr lang="en-US" dirty="0" smtClean="0"/>
+              <a:t>Contents</a:t>
+            </a:r>
+            <a:endParaRPr lang="en-US" dirty="0"/>
+          </a:p>
+        </p:txBody>
+      </p:sp>
+      <p:sp>
+        <p:nvSpPr>
+          <p:cNvPr id="3" name="Content Placeholder 2"/>
+          <p:cNvSpPr>
+            <a:spLocks noGrp="1"/>
+          </p:cNvSpPr>
+          <p:nvPr>
+            <p:ph idx="1"/>
+          </p:nvPr>
+        </p:nvSpPr>
+        <p:spPr/>
+        <p:txBody>
+          <a:bodyPr>
+            <a:normAutofit/>
+          </a:bodyPr>
+          <a:lstStyle/>
+          <a:p>
+            <a:r>
+              <a:rPr lang="en-US" sz="2400" dirty="0" smtClean="0"/>
+              <a:t>Overview / Related Work</a:t>
+            </a:r>
+          </a:p>
+          <a:p>
+            <a:r>
+              <a:rPr lang="en-US" sz="2400" dirty="0" smtClean="0"/>
+              <a:t>Motivation</a:t>
+            </a:r>
+            <a:endParaRPr lang="en-US" sz="2400" dirty="0"/>
+          </a:p>
+          <a:p>
+            <a:r>
+              <a:rPr lang="en-US" sz="2400" dirty="0" smtClean="0"/>
+              <a:t>Dataset</a:t>
+            </a:r>
+          </a:p>
+          <a:p>
+            <a:r>
+              <a:rPr lang="en-US" sz="2400" dirty="0" smtClean="0"/>
+              <a:t>Challenges / How we deal with them?</a:t>
+            </a:r>
+          </a:p>
+        </p:txBody>
+      </p:sp>
+    </p:spTree>
+    <p:extLst>
+      <p:ext uri="{BB962C8B-B14F-4D97-AF65-F5344CB8AC3E}">
+        <p14:creationId xmlns:p14="http://schemas.microsoft.com/office/powerpoint/2010/main" val="3561941878"/>
+      </p:ext>
+    </p:extLst>
+  </p:cSld>
+  <p:clrMapOvr>
+    <a:masterClrMapping/>
+  </p:clrMapOvr>
+  <p:timing>
+    <p:tnLst>
+      <p:par>
+        <p:cTn id="1" dur="indefinite" restart="never" nodeType="tmRoot"/>
+      </p:par>
+    </p:tnLst>
+  </p:timing>
+</p:sld>
+</file>
+
+<file path=ppt/slides/slide20.xml><?xml version="1.0" encoding="utf-8"?>
 <p:sld xmlns:a="http://schemas.openxmlformats.org/drawingml/2006/main" xmlns:r="http://schemas.openxmlformats.org/officeDocument/2006/relationships" xmlns:p="http://schemas.openxmlformats.org/presentationml/2006/main">
   <p:cSld>
     <p:spTree>
@@ -5355,116 +5793,6 @@
     <p:extLst>
       <p:ext uri="{BB962C8B-B14F-4D97-AF65-F5344CB8AC3E}">
         <p14:creationId xmlns:p14="http://schemas.microsoft.com/office/powerpoint/2010/main" val="3604943601"/>
-      </p:ext>
-    </p:extLst>
-  </p:cSld>
-  <p:clrMapOvr>
-    <a:masterClrMapping/>
-  </p:clrMapOvr>
-  <p:timing>
-    <p:tnLst>
-      <p:par>
-        <p:cTn id="1" dur="indefinite" restart="never" nodeType="tmRoot"/>
-      </p:par>
-    </p:tnLst>
-  </p:timing>
-</p:sld>
-</file>
-
-<file path=ppt/slides/slide2.xml><?xml version="1.0" encoding="utf-8"?>
-<p:sld xmlns:a="http://schemas.openxmlformats.org/drawingml/2006/main" xmlns:r="http://schemas.openxmlformats.org/officeDocument/2006/relationships" xmlns:p="http://schemas.openxmlformats.org/presentationml/2006/main">
-  <p:cSld>
-    <p:spTree>
-      <p:nvGrpSpPr>
-        <p:cNvPr id="1" name=""/>
-        <p:cNvGrpSpPr/>
-        <p:nvPr/>
-      </p:nvGrpSpPr>
-      <p:grpSpPr>
-        <a:xfrm>
-          <a:off x="0" y="0"/>
-          <a:ext cx="0" cy="0"/>
-          <a:chOff x="0" y="0"/>
-          <a:chExt cx="0" cy="0"/>
-        </a:xfrm>
-      </p:grpSpPr>
-      <p:sp>
-        <p:nvSpPr>
-          <p:cNvPr id="2" name="Title 1"/>
-          <p:cNvSpPr>
-            <a:spLocks noGrp="1"/>
-          </p:cNvSpPr>
-          <p:nvPr>
-            <p:ph type="title"/>
-          </p:nvPr>
-        </p:nvSpPr>
-        <p:spPr>
-          <a:xfrm>
-            <a:off x="2231136" y="628074"/>
-            <a:ext cx="7729728" cy="831272"/>
-          </a:xfrm>
-        </p:spPr>
-        <p:txBody>
-          <a:bodyPr>
-            <a:normAutofit/>
-          </a:bodyPr>
-          <a:lstStyle/>
-          <a:p>
-            <a:r>
-              <a:rPr lang="en-US" dirty="0" smtClean="0"/>
-              <a:t>Contents</a:t>
-            </a:r>
-            <a:endParaRPr lang="en-US" dirty="0"/>
-          </a:p>
-        </p:txBody>
-      </p:sp>
-      <p:sp>
-        <p:nvSpPr>
-          <p:cNvPr id="3" name="Content Placeholder 2"/>
-          <p:cNvSpPr>
-            <a:spLocks noGrp="1"/>
-          </p:cNvSpPr>
-          <p:nvPr>
-            <p:ph idx="1"/>
-          </p:nvPr>
-        </p:nvSpPr>
-        <p:spPr/>
-        <p:txBody>
-          <a:bodyPr>
-            <a:normAutofit/>
-          </a:bodyPr>
-          <a:lstStyle/>
-          <a:p>
-            <a:r>
-              <a:rPr lang="en-US" sz="2400" dirty="0" smtClean="0"/>
-              <a:t>Overview / Related Work</a:t>
-            </a:r>
-          </a:p>
-          <a:p>
-            <a:r>
-              <a:rPr lang="en-US" sz="2400" dirty="0" smtClean="0"/>
-              <a:t>Motivation</a:t>
-            </a:r>
-            <a:endParaRPr lang="en-US" sz="2400" dirty="0"/>
-          </a:p>
-          <a:p>
-            <a:r>
-              <a:rPr lang="en-US" sz="2400" dirty="0" smtClean="0"/>
-              <a:t>Dataset</a:t>
-            </a:r>
-          </a:p>
-          <a:p>
-            <a:r>
-              <a:rPr lang="en-US" sz="2400" dirty="0" smtClean="0"/>
-              <a:t>Challenges / How we deal with them?</a:t>
-            </a:r>
-          </a:p>
-        </p:txBody>
-      </p:sp>
-    </p:spTree>
-    <p:extLst>
-      <p:ext uri="{BB962C8B-B14F-4D97-AF65-F5344CB8AC3E}">
-        <p14:creationId xmlns:p14="http://schemas.microsoft.com/office/powerpoint/2010/main" val="3561941878"/>
       </p:ext>
     </p:extLst>
   </p:cSld>
@@ -7618,11 +7946,7 @@
           <a:p>
             <a:r>
               <a:rPr lang="en-US" dirty="0" smtClean="0"/>
-              <a:t>Motivation: Stemming </a:t>
-            </a:r>
-            <a:r>
-              <a:rPr lang="en-US" smtClean="0"/>
-              <a:t>or lemmatization</a:t>
+              <a:t>Motivation: Stemming or lemmatization</a:t>
             </a:r>
             <a:endParaRPr lang="en-US" dirty="0"/>
           </a:p>
@@ -7640,196 +7964,53 @@
         </p:nvSpPr>
         <p:spPr/>
         <p:txBody>
-          <a:bodyPr/>
-          <a:lstStyle/>
-          <a:p>
+          <a:bodyPr>
+            <a:normAutofit/>
+          </a:bodyPr>
+          <a:lstStyle/>
+          <a:p>
+            <a:r>
+              <a:rPr lang="en-US" dirty="0" smtClean="0"/>
+              <a:t>In </a:t>
+            </a:r>
             <a:r>
               <a:rPr lang="en-US" dirty="0"/>
-              <a:t>By intuition, we were concerned that stemming is very strict in the sense that returns words to their roots </a:t>
-            </a:r>
-            <a:r>
-              <a:rPr lang="en-US" dirty="0" smtClean="0"/>
-              <a:t>(ex </a:t>
-            </a:r>
-            <a:r>
-              <a:rPr lang="ar-EG" dirty="0" smtClean="0"/>
-              <a:t>استثمر</a:t>
-            </a:r>
-            <a:r>
-              <a:rPr lang="en-US" dirty="0" smtClean="0"/>
-              <a:t> changed to </a:t>
-            </a:r>
-            <a:r>
-              <a:rPr lang="ar-EG" dirty="0" smtClean="0"/>
-              <a:t>ثمر</a:t>
-            </a:r>
-            <a:r>
-              <a:rPr lang="en-US" dirty="0" smtClean="0"/>
-              <a:t> which </a:t>
+              <a:t>the case of Arabic text summarization, it is important to experiment with</a:t>
             </a:r>
             <a:r>
               <a:rPr lang="en-US" dirty="0"/>
-              <a:t>somehow has different meaning). </a:t>
+              <a:t/>
+            </a:r>
+            <a:br>
+              <a:rPr lang="en-US" dirty="0"/>
+            </a:br>
+            <a:r>
+              <a:rPr lang="en-US" dirty="0"/>
+              <a:t>both stemming and lemmatization to determine which approach yields better </a:t>
+            </a:r>
+            <a:r>
+              <a:rPr lang="en-US" dirty="0" smtClean="0"/>
+              <a:t>results.</a:t>
+            </a:r>
+          </a:p>
+          <a:p>
+            <a:r>
+              <a:rPr lang="en-US" dirty="0" smtClean="0"/>
+              <a:t> </a:t>
+            </a:r>
+            <a:r>
+              <a:rPr lang="en-US" dirty="0"/>
+              <a:t>To the best of our knowledge, there has been no researches concerned with evaluating </a:t>
+            </a:r>
+            <a:r>
+              <a:rPr lang="en-US" dirty="0" smtClean="0"/>
+              <a:t>the effect </a:t>
+            </a:r>
+            <a:r>
+              <a:rPr lang="en-US" dirty="0"/>
+              <a:t>of stemming/lemmatization or neither on Arabic text summarization task.</a:t>
             </a:r>
             <a:endParaRPr lang="ar-EG" dirty="0" smtClean="0"/>
-          </a:p>
-          <a:p>
-            <a:r>
-              <a:rPr lang="en-US" dirty="0" smtClean="0"/>
-              <a:t>At </a:t>
-            </a:r>
-            <a:r>
-              <a:rPr lang="en-US" dirty="0"/>
-              <a:t>the same time stemming is appropriate in removing non-relevant letters </a:t>
-            </a:r>
-            <a:r>
-              <a:rPr lang="en-US" dirty="0" smtClean="0"/>
-              <a:t>(</a:t>
-            </a:r>
-            <a:r>
-              <a:rPr lang="ar-EG" dirty="0" smtClean="0"/>
-              <a:t>وفعلوا</a:t>
-            </a:r>
-            <a:r>
-              <a:rPr lang="en-US" dirty="0" smtClean="0"/>
-              <a:t> changed to </a:t>
-            </a:r>
-            <a:r>
-              <a:rPr lang="ar-EG" dirty="0" smtClean="0"/>
-              <a:t>فعل</a:t>
-            </a:r>
-            <a:r>
-              <a:rPr lang="en-US" dirty="0" smtClean="0"/>
-              <a:t> </a:t>
-            </a:r>
-            <a:r>
-              <a:rPr lang="ar-EG" dirty="0" smtClean="0"/>
-              <a:t> </a:t>
-            </a:r>
-            <a:r>
-              <a:rPr lang="en-US" dirty="0"/>
-              <a:t>which removes the </a:t>
-            </a:r>
-            <a:r>
-              <a:rPr lang="ar-EG" dirty="0" smtClean="0"/>
-              <a:t>و</a:t>
-            </a:r>
-            <a:r>
-              <a:rPr lang="en-US" dirty="0" smtClean="0"/>
-              <a:t> at </a:t>
-            </a:r>
-            <a:r>
-              <a:rPr lang="en-US" dirty="0"/>
-              <a:t>the beginning. This is not achieved by lemmatization which changes it </a:t>
-            </a:r>
-            <a:r>
-              <a:rPr lang="en-US" dirty="0" smtClean="0"/>
-              <a:t>to</a:t>
-            </a:r>
-            <a:r>
-              <a:rPr lang="ar-EG" dirty="0" smtClean="0"/>
-              <a:t> وفعل</a:t>
-            </a:r>
-          </a:p>
-          <a:p>
-            <a:r>
-              <a:rPr lang="ar-EG" dirty="0" smtClean="0"/>
-              <a:t> . </a:t>
-            </a:r>
-            <a:r>
-              <a:rPr lang="en-US" dirty="0" smtClean="0"/>
-              <a:t>In * they claim that doing lemmatization preprocessing step will give the best accuracy. </a:t>
-            </a:r>
-            <a:endParaRPr lang="en-US" dirty="0"/>
-          </a:p>
-        </p:txBody>
-      </p:sp>
-      <p:sp>
-        <p:nvSpPr>
-          <p:cNvPr id="4" name="TextBox 3"/>
-          <p:cNvSpPr txBox="1"/>
-          <p:nvPr/>
-        </p:nvSpPr>
-        <p:spPr>
-          <a:xfrm>
-            <a:off x="581891" y="6197600"/>
-            <a:ext cx="11231418" cy="400110"/>
-          </a:xfrm>
-          <a:prstGeom prst="rect">
-            <a:avLst/>
-          </a:prstGeom>
-          <a:noFill/>
-        </p:spPr>
-        <p:txBody>
-          <a:bodyPr wrap="square" rtlCol="0">
-            <a:spAutoFit/>
-          </a:bodyPr>
-          <a:lstStyle/>
-          <a:p>
-            <a:r>
-              <a:rPr lang="en-US" sz="1000" dirty="0" err="1"/>
-              <a:t>Reda</a:t>
-            </a:r>
-            <a:r>
-              <a:rPr lang="en-US" sz="1000" dirty="0"/>
-              <a:t> </a:t>
-            </a:r>
-            <a:r>
-              <a:rPr lang="en-US" sz="1000" dirty="0" err="1"/>
-              <a:t>Elbarougy</a:t>
-            </a:r>
-            <a:r>
-              <a:rPr lang="en-US" sz="1000" dirty="0"/>
-              <a:t>, Gamal </a:t>
-            </a:r>
-            <a:r>
-              <a:rPr lang="en-US" sz="1000" dirty="0" err="1"/>
-              <a:t>Behery</a:t>
-            </a:r>
-            <a:r>
-              <a:rPr lang="en-US" sz="1000" dirty="0"/>
-              <a:t>, and </a:t>
-            </a:r>
-            <a:r>
-              <a:rPr lang="en-US" sz="1000" dirty="0" err="1"/>
-              <a:t>Akram</a:t>
-            </a:r>
-            <a:r>
-              <a:rPr lang="en-US" sz="1000" dirty="0"/>
-              <a:t> El </a:t>
-            </a:r>
-            <a:r>
-              <a:rPr lang="en-US" sz="1000" dirty="0" err="1"/>
-              <a:t>Khatib</a:t>
-            </a:r>
-            <a:r>
-              <a:rPr lang="en-US" sz="1000" dirty="0"/>
-              <a:t>. A proposed natural </a:t>
-            </a:r>
-            <a:r>
-              <a:rPr lang="en-US" sz="1000" dirty="0" smtClean="0"/>
-              <a:t>language processing </a:t>
-            </a:r>
-            <a:r>
-              <a:rPr lang="en-US" sz="1000" dirty="0"/>
-              <a:t>preprocessing procedures for enhancing </a:t>
-            </a:r>
-            <a:r>
-              <a:rPr lang="en-US" sz="1000" dirty="0" err="1"/>
-              <a:t>arabic</a:t>
-            </a:r>
-            <a:r>
-              <a:rPr lang="en-US" sz="1000" dirty="0"/>
-              <a:t> text summarization. </a:t>
-            </a:r>
-            <a:r>
-              <a:rPr lang="en-US" sz="1000" dirty="0" smtClean="0"/>
-              <a:t>Recent Advances </a:t>
-            </a:r>
-            <a:r>
-              <a:rPr lang="en-US" sz="1000" dirty="0"/>
-              <a:t>in NLP: The Case of Arabic Language, pages 39–57, 2020.</a:t>
-            </a:r>
           </a:p>
         </p:txBody>
       </p:sp>
